--- a/example.pptx
+++ b/example.pptx
@@ -6,6 +6,20 @@
   </p:sldMasterIdLst>
   <p:sldIdLst>
     <p:sldId id="256" r:id="rId7"/>
+    <p:sldId id="257" r:id="rId8"/>
+    <p:sldId id="258" r:id="rId9"/>
+    <p:sldId id="259" r:id="rId10"/>
+    <p:sldId id="260" r:id="rId11"/>
+    <p:sldId id="261" r:id="rId12"/>
+    <p:sldId id="262" r:id="rId13"/>
+    <p:sldId id="263" r:id="rId14"/>
+    <p:sldId id="264" r:id="rId15"/>
+    <p:sldId id="265" r:id="rId16"/>
+    <p:sldId id="266" r:id="rId17"/>
+    <p:sldId id="267" r:id="rId18"/>
+    <p:sldId id="268" r:id="rId19"/>
+    <p:sldId id="269" r:id="rId20"/>
+    <p:sldId id="270" r:id="rId21"/>
   </p:sldIdLst>
   <p:sldSz cx="9144000" cy="6858000" type="screen4x3"/>
   <p:notesSz cx="6858000" cy="9144000"/>
@@ -3146,6 +3160,692 @@
             </a:pPr>
             <a:r>
               <a:t>Catherine E. McKinley</a:t>
+            </a:r>
+          </a:p>
+        </p:txBody>
+      </p:sp>
+    </p:spTree>
+  </p:cSld>
+  <p:clrMapOvr>
+    <a:masterClrMapping/>
+  </p:clrMapOvr>
+</p:sld>
+</file>
+
+<file path=ppt/slides/slide10.xml><?xml version="1.0" encoding="utf-8"?>
+<p:sld xmlns:a="http://schemas.openxmlformats.org/drawingml/2006/main" xmlns:p="http://schemas.openxmlformats.org/presentationml/2006/main" xmlns:r="http://schemas.openxmlformats.org/officeDocument/2006/relationships">
+  <p:cSld>
+    <p:spTree>
+      <p:nvGrpSpPr>
+        <p:cNvPr id="1" name=""/>
+        <p:cNvGrpSpPr/>
+        <p:nvPr/>
+      </p:nvGrpSpPr>
+      <p:grpSpPr/>
+      <p:sp>
+        <p:nvSpPr>
+          <p:cNvPr id="2" name="TextBox 1"/>
+          <p:cNvSpPr txBox="1"/>
+          <p:nvPr/>
+        </p:nvSpPr>
+        <p:spPr>
+          <a:xfrm>
+            <a:off x="914400" y="914400"/>
+            <a:ext cx="7315200" cy="3657600"/>
+          </a:xfrm>
+          <a:prstGeom prst="rect">
+            <a:avLst/>
+          </a:prstGeom>
+          <a:noFill/>
+        </p:spPr>
+        <p:txBody>
+          <a:bodyPr wrap="square">
+            <a:spAutoFit/>
+          </a:bodyPr>
+          <a:lstStyle/>
+          <a:p>
+            <a:pPr>
+              <a:defRPr sz="2400"/>
+            </a:pPr>
+            <a:r>
+              <a:t> the authors found that the participants had a variety of ways to cope with stress and negative emotions, and that these varied by gender and ethnicity. In general, the participants coped by being active, spending time in nature, and by talking about their feelings with safe people.</a:t>
+            </a:r>
+          </a:p>
+        </p:txBody>
+      </p:sp>
+    </p:spTree>
+  </p:cSld>
+  <p:clrMapOvr>
+    <a:masterClrMapping/>
+  </p:clrMapOvr>
+</p:sld>
+</file>
+
+<file path=ppt/slides/slide11.xml><?xml version="1.0" encoding="utf-8"?>
+<p:sld xmlns:a="http://schemas.openxmlformats.org/drawingml/2006/main" xmlns:p="http://schemas.openxmlformats.org/presentationml/2006/main" xmlns:r="http://schemas.openxmlformats.org/officeDocument/2006/relationships">
+  <p:cSld>
+    <p:spTree>
+      <p:nvGrpSpPr>
+        <p:cNvPr id="1" name=""/>
+        <p:cNvGrpSpPr/>
+        <p:nvPr/>
+      </p:nvGrpSpPr>
+      <p:grpSpPr/>
+      <p:sp>
+        <p:nvSpPr>
+          <p:cNvPr id="2" name="TextBox 1"/>
+          <p:cNvSpPr txBox="1"/>
+          <p:nvPr/>
+        </p:nvSpPr>
+        <p:spPr>
+          <a:xfrm>
+            <a:off x="914400" y="914400"/>
+            <a:ext cx="7315200" cy="3657600"/>
+          </a:xfrm>
+          <a:prstGeom prst="rect">
+            <a:avLst/>
+          </a:prstGeom>
+          <a:noFill/>
+        </p:spPr>
+        <p:txBody>
+          <a:bodyPr wrap="square">
+            <a:spAutoFit/>
+          </a:bodyPr>
+          <a:lstStyle/>
+          <a:p>
+            <a:pPr>
+              <a:defRPr sz="2400"/>
+            </a:pPr>
+            <a:r>
+              <a:t> Sports are good for you.</a:t>
+            </a:r>
+          </a:p>
+        </p:txBody>
+      </p:sp>
+    </p:spTree>
+  </p:cSld>
+  <p:clrMapOvr>
+    <a:masterClrMapping/>
+  </p:clrMapOvr>
+</p:sld>
+</file>
+
+<file path=ppt/slides/slide12.xml><?xml version="1.0" encoding="utf-8"?>
+<p:sld xmlns:a="http://schemas.openxmlformats.org/drawingml/2006/main" xmlns:p="http://schemas.openxmlformats.org/presentationml/2006/main" xmlns:r="http://schemas.openxmlformats.org/officeDocument/2006/relationships">
+  <p:cSld>
+    <p:spTree>
+      <p:nvGrpSpPr>
+        <p:cNvPr id="1" name=""/>
+        <p:cNvGrpSpPr/>
+        <p:nvPr/>
+      </p:nvGrpSpPr>
+      <p:grpSpPr/>
+      <p:sp>
+        <p:nvSpPr>
+          <p:cNvPr id="2" name="TextBox 1"/>
+          <p:cNvSpPr txBox="1"/>
+          <p:nvPr/>
+        </p:nvSpPr>
+        <p:spPr>
+          <a:xfrm>
+            <a:off x="914400" y="914400"/>
+            <a:ext cx="7315200" cy="3657600"/>
+          </a:xfrm>
+          <a:prstGeom prst="rect">
+            <a:avLst/>
+          </a:prstGeom>
+          <a:noFill/>
+        </p:spPr>
+        <p:txBody>
+          <a:bodyPr wrap="square">
+            <a:spAutoFit/>
+          </a:bodyPr>
+          <a:lstStyle/>
+          <a:p>
+            <a:pPr>
+              <a:defRPr sz="2400"/>
+            </a:pPr>
+            <a:r>
+              <a:t> Sports and recreation were a compelling way to stay active and enjoy community.</a:t>
+            </a:r>
+          </a:p>
+        </p:txBody>
+      </p:sp>
+    </p:spTree>
+  </p:cSld>
+  <p:clrMapOvr>
+    <a:masterClrMapping/>
+  </p:clrMapOvr>
+</p:sld>
+</file>
+
+<file path=ppt/slides/slide13.xml><?xml version="1.0" encoding="utf-8"?>
+<p:sld xmlns:a="http://schemas.openxmlformats.org/drawingml/2006/main" xmlns:p="http://schemas.openxmlformats.org/presentationml/2006/main" xmlns:r="http://schemas.openxmlformats.org/officeDocument/2006/relationships">
+  <p:cSld>
+    <p:spTree>
+      <p:nvGrpSpPr>
+        <p:cNvPr id="1" name=""/>
+        <p:cNvGrpSpPr/>
+        <p:nvPr/>
+      </p:nvGrpSpPr>
+      <p:grpSpPr/>
+      <p:sp>
+        <p:nvSpPr>
+          <p:cNvPr id="2" name="TextBox 1"/>
+          <p:cNvSpPr txBox="1"/>
+          <p:nvPr/>
+        </p:nvSpPr>
+        <p:spPr>
+          <a:xfrm>
+            <a:off x="914400" y="914400"/>
+            <a:ext cx="7315200" cy="3657600"/>
+          </a:xfrm>
+          <a:prstGeom prst="rect">
+            <a:avLst/>
+          </a:prstGeom>
+          <a:noFill/>
+        </p:spPr>
+        <p:txBody>
+          <a:bodyPr wrap="square">
+            <a:spAutoFit/>
+          </a:bodyPr>
+          <a:lstStyle/>
+          <a:p>
+            <a:pPr>
+              <a:defRPr sz="2400"/>
+            </a:pPr>
+            <a:r>
+              <a:t> Decolonizing research is a process of centering the voices of Indigenous peoples and</a:t>
+            </a:r>
+          </a:p>
+        </p:txBody>
+      </p:sp>
+    </p:spTree>
+  </p:cSld>
+  <p:clrMapOvr>
+    <a:masterClrMapping/>
+  </p:clrMapOvr>
+</p:sld>
+</file>
+
+<file path=ppt/slides/slide14.xml><?xml version="1.0" encoding="utf-8"?>
+<p:sld xmlns:a="http://schemas.openxmlformats.org/drawingml/2006/main" xmlns:p="http://schemas.openxmlformats.org/presentationml/2006/main" xmlns:r="http://schemas.openxmlformats.org/officeDocument/2006/relationships">
+  <p:cSld>
+    <p:spTree>
+      <p:nvGrpSpPr>
+        <p:cNvPr id="1" name=""/>
+        <p:cNvGrpSpPr/>
+        <p:nvPr/>
+      </p:nvGrpSpPr>
+      <p:grpSpPr/>
+      <p:sp>
+        <p:nvSpPr>
+          <p:cNvPr id="2" name="TextBox 1"/>
+          <p:cNvSpPr txBox="1"/>
+          <p:nvPr/>
+        </p:nvSpPr>
+        <p:spPr>
+          <a:xfrm>
+            <a:off x="914400" y="914400"/>
+            <a:ext cx="7315200" cy="3657600"/>
+          </a:xfrm>
+          <a:prstGeom prst="rect">
+            <a:avLst/>
+          </a:prstGeom>
+          <a:noFill/>
+        </p:spPr>
+        <p:txBody>
+          <a:bodyPr wrap="square">
+            <a:spAutoFit/>
+          </a:bodyPr>
+          <a:lstStyle/>
+          <a:p>
+            <a:pPr>
+              <a:defRPr sz="2400"/>
+            </a:pPr>
+            <a:r>
+              <a:t> The IHS has a lot of work to do to address health disparities in Indian Country.</a:t>
+            </a:r>
+          </a:p>
+        </p:txBody>
+      </p:sp>
+    </p:spTree>
+  </p:cSld>
+  <p:clrMapOvr>
+    <a:masterClrMapping/>
+  </p:clrMapOvr>
+</p:sld>
+</file>
+
+<file path=ppt/slides/slide15.xml><?xml version="1.0" encoding="utf-8"?>
+<p:sld xmlns:a="http://schemas.openxmlformats.org/drawingml/2006/main" xmlns:p="http://schemas.openxmlformats.org/presentationml/2006/main" xmlns:r="http://schemas.openxmlformats.org/officeDocument/2006/relationships">
+  <p:cSld>
+    <p:spTree>
+      <p:nvGrpSpPr>
+        <p:cNvPr id="1" name=""/>
+        <p:cNvGrpSpPr/>
+        <p:nvPr/>
+      </p:nvGrpSpPr>
+      <p:grpSpPr/>
+      <p:sp>
+        <p:nvSpPr>
+          <p:cNvPr id="2" name="TextBox 1"/>
+          <p:cNvSpPr txBox="1"/>
+          <p:nvPr/>
+        </p:nvSpPr>
+        <p:spPr>
+          <a:xfrm>
+            <a:off x="914400" y="914400"/>
+            <a:ext cx="7315200" cy="3657600"/>
+          </a:xfrm>
+          <a:prstGeom prst="rect">
+            <a:avLst/>
+          </a:prstGeom>
+          <a:noFill/>
+        </p:spPr>
+        <p:txBody>
+          <a:bodyPr wrap="square">
+            <a:spAutoFit/>
+          </a:bodyPr>
+          <a:lstStyle/>
+          <a:p>
+            <a:pPr>
+              <a:defRPr sz="2400"/>
+            </a:pPr>
+            <a:r>
+              <a:t> I think this is a good study and a good paper. The study is a good example of how to do qualitative research, and the paper is a good example of how to write up qualitative research.</a:t>
+            </a:r>
+          </a:p>
+        </p:txBody>
+      </p:sp>
+    </p:spTree>
+  </p:cSld>
+  <p:clrMapOvr>
+    <a:masterClrMapping/>
+  </p:clrMapOvr>
+</p:sld>
+</file>
+
+<file path=ppt/slides/slide2.xml><?xml version="1.0" encoding="utf-8"?>
+<p:sld xmlns:a="http://schemas.openxmlformats.org/drawingml/2006/main" xmlns:p="http://schemas.openxmlformats.org/presentationml/2006/main" xmlns:r="http://schemas.openxmlformats.org/officeDocument/2006/relationships">
+  <p:cSld>
+    <p:spTree>
+      <p:nvGrpSpPr>
+        <p:cNvPr id="1" name=""/>
+        <p:cNvGrpSpPr/>
+        <p:nvPr/>
+      </p:nvGrpSpPr>
+      <p:grpSpPr/>
+      <p:sp>
+        <p:nvSpPr>
+          <p:cNvPr id="2" name="TextBox 1"/>
+          <p:cNvSpPr txBox="1"/>
+          <p:nvPr/>
+        </p:nvSpPr>
+        <p:spPr>
+          <a:xfrm>
+            <a:off x="914400" y="914400"/>
+            <a:ext cx="7315200" cy="3657600"/>
+          </a:xfrm>
+          <a:prstGeom prst="rect">
+            <a:avLst/>
+          </a:prstGeom>
+          <a:noFill/>
+        </p:spPr>
+        <p:txBody>
+          <a:bodyPr wrap="square">
+            <a:spAutoFit/>
+          </a:bodyPr>
+          <a:lstStyle/>
+          <a:p>
+            <a:pPr>
+              <a:defRPr sz="2400"/>
+            </a:pPr>
+            <a:r>
+              <a:t> I'm a white woman who has never lived on a reservation and I'm writing about the lives of Indigenous peoples. I'm sure I'm going to fuck up. I'm trying to do my best. I'm sorry. I'm sorry. I'm sorry. I'm sorry. I'm sorry. I'm sorry. I'm sorry. I'm sorry. I'm sorry. I'm sorry. I'm sorry. I'm sorry. I'm sorry. I'm sorry. I'm sorry. I'm sorry. I'm sorry. I'm sorry. I'm sorry. I'm sorry. I'm sorry. I'm sorry. I'm sorry. I'm sorry. I'm sorry</a:t>
+            </a:r>
+          </a:p>
+        </p:txBody>
+      </p:sp>
+    </p:spTree>
+  </p:cSld>
+  <p:clrMapOvr>
+    <a:masterClrMapping/>
+  </p:clrMapOvr>
+</p:sld>
+</file>
+
+<file path=ppt/slides/slide3.xml><?xml version="1.0" encoding="utf-8"?>
+<p:sld xmlns:a="http://schemas.openxmlformats.org/drawingml/2006/main" xmlns:p="http://schemas.openxmlformats.org/presentationml/2006/main" xmlns:r="http://schemas.openxmlformats.org/officeDocument/2006/relationships">
+  <p:cSld>
+    <p:spTree>
+      <p:nvGrpSpPr>
+        <p:cNvPr id="1" name=""/>
+        <p:cNvGrpSpPr/>
+        <p:nvPr/>
+      </p:nvGrpSpPr>
+      <p:grpSpPr/>
+      <p:sp>
+        <p:nvSpPr>
+          <p:cNvPr id="2" name="TextBox 1"/>
+          <p:cNvSpPr txBox="1"/>
+          <p:nvPr/>
+        </p:nvSpPr>
+        <p:spPr>
+          <a:xfrm>
+            <a:off x="914400" y="914400"/>
+            <a:ext cx="7315200" cy="3657600"/>
+          </a:xfrm>
+          <a:prstGeom prst="rect">
+            <a:avLst/>
+          </a:prstGeom>
+          <a:noFill/>
+        </p:spPr>
+        <p:txBody>
+          <a:bodyPr wrap="square">
+            <a:spAutoFit/>
+          </a:bodyPr>
+          <a:lstStyle/>
+          <a:p>
+            <a:pPr>
+              <a:defRPr sz="2400"/>
+            </a:pPr>
+            <a:r>
+              <a:t> Indigenous peoples are disproportionately likely to experience obesity and related chronic health problems.</a:t>
+            </a:r>
+          </a:p>
+        </p:txBody>
+      </p:sp>
+    </p:spTree>
+  </p:cSld>
+  <p:clrMapOvr>
+    <a:masterClrMapping/>
+  </p:clrMapOvr>
+</p:sld>
+</file>
+
+<file path=ppt/slides/slide4.xml><?xml version="1.0" encoding="utf-8"?>
+<p:sld xmlns:a="http://schemas.openxmlformats.org/drawingml/2006/main" xmlns:p="http://schemas.openxmlformats.org/presentationml/2006/main" xmlns:r="http://schemas.openxmlformats.org/officeDocument/2006/relationships">
+  <p:cSld>
+    <p:spTree>
+      <p:nvGrpSpPr>
+        <p:cNvPr id="1" name=""/>
+        <p:cNvGrpSpPr/>
+        <p:nvPr/>
+      </p:nvGrpSpPr>
+      <p:grpSpPr/>
+      <p:sp>
+        <p:nvSpPr>
+          <p:cNvPr id="2" name="TextBox 1"/>
+          <p:cNvSpPr txBox="1"/>
+          <p:nvPr/>
+        </p:nvSpPr>
+        <p:spPr>
+          <a:xfrm>
+            <a:off x="914400" y="914400"/>
+            <a:ext cx="7315200" cy="3657600"/>
+          </a:xfrm>
+          <a:prstGeom prst="rect">
+            <a:avLst/>
+          </a:prstGeom>
+          <a:noFill/>
+        </p:spPr>
+        <p:txBody>
+          <a:bodyPr wrap="square">
+            <a:spAutoFit/>
+          </a:bodyPr>
+          <a:lstStyle/>
+          <a:p>
+            <a:pPr>
+              <a:defRPr sz="2400"/>
+            </a:pPr>
+            <a:r>
+              <a:t> Physical activity is a way of life for Indigenous peoples. The FHORT is used to examine historical and contemporary physical activities of Indigenous peoples. The FHORT is used to examine historical and contemporary physical activities of Indigenous peoples. Lindholm, K. (2019). Indigenous Physical Activity and the FHORT: Examining Historical and Contemporary Physical Activities of Indigenous Peoples. Social Science &amp; Medicine, 210, 1-6. doi:10.1016/j.socscimed.2019.01.003</a:t>
+            </a:r>
+          </a:p>
+        </p:txBody>
+      </p:sp>
+    </p:spTree>
+  </p:cSld>
+  <p:clrMapOvr>
+    <a:masterClrMapping/>
+  </p:clrMapOvr>
+</p:sld>
+</file>
+
+<file path=ppt/slides/slide5.xml><?xml version="1.0" encoding="utf-8"?>
+<p:sld xmlns:a="http://schemas.openxmlformats.org/drawingml/2006/main" xmlns:p="http://schemas.openxmlformats.org/presentationml/2006/main" xmlns:r="http://schemas.openxmlformats.org/officeDocument/2006/relationships">
+  <p:cSld>
+    <p:spTree>
+      <p:nvGrpSpPr>
+        <p:cNvPr id="1" name=""/>
+        <p:cNvGrpSpPr/>
+        <p:nvPr/>
+      </p:nvGrpSpPr>
+      <p:grpSpPr/>
+      <p:sp>
+        <p:nvSpPr>
+          <p:cNvPr id="2" name="TextBox 1"/>
+          <p:cNvSpPr txBox="1"/>
+          <p:nvPr/>
+        </p:nvSpPr>
+        <p:spPr>
+          <a:xfrm>
+            <a:off x="914400" y="914400"/>
+            <a:ext cx="7315200" cy="3657600"/>
+          </a:xfrm>
+          <a:prstGeom prst="rect">
+            <a:avLst/>
+          </a:prstGeom>
+          <a:noFill/>
+        </p:spPr>
+        <p:txBody>
+          <a:bodyPr wrap="square">
+            <a:spAutoFit/>
+          </a:bodyPr>
+          <a:lstStyle/>
+          <a:p>
+            <a:pPr>
+              <a:defRPr sz="2400"/>
+            </a:pPr>
+            <a:r>
+              <a:t> The best way to promote physical activity is to make it fun.</a:t>
+            </a:r>
+          </a:p>
+        </p:txBody>
+      </p:sp>
+    </p:spTree>
+  </p:cSld>
+  <p:clrMapOvr>
+    <a:masterClrMapping/>
+  </p:clrMapOvr>
+</p:sld>
+</file>
+
+<file path=ppt/slides/slide6.xml><?xml version="1.0" encoding="utf-8"?>
+<p:sld xmlns:a="http://schemas.openxmlformats.org/drawingml/2006/main" xmlns:p="http://schemas.openxmlformats.org/presentationml/2006/main" xmlns:r="http://schemas.openxmlformats.org/officeDocument/2006/relationships">
+  <p:cSld>
+    <p:spTree>
+      <p:nvGrpSpPr>
+        <p:cNvPr id="1" name=""/>
+        <p:cNvGrpSpPr/>
+        <p:nvPr/>
+      </p:nvGrpSpPr>
+      <p:grpSpPr/>
+      <p:sp>
+        <p:nvSpPr>
+          <p:cNvPr id="2" name="TextBox 1"/>
+          <p:cNvSpPr txBox="1"/>
+          <p:nvPr/>
+        </p:nvSpPr>
+        <p:spPr>
+          <a:xfrm>
+            <a:off x="914400" y="914400"/>
+            <a:ext cx="7315200" cy="3657600"/>
+          </a:xfrm>
+          <a:prstGeom prst="rect">
+            <a:avLst/>
+          </a:prstGeom>
+          <a:noFill/>
+        </p:spPr>
+        <p:txBody>
+          <a:bodyPr wrap="square">
+            <a:spAutoFit/>
+          </a:bodyPr>
+          <a:lstStyle/>
+          <a:p>
+            <a:pPr>
+              <a:defRPr sz="2400"/>
+            </a:pPr>
+            <a:r>
+              <a:t> I’m not sure how this is a qualitative study. It’s a survey with a lot of open-ended questions.</a:t>
+            </a:r>
+          </a:p>
+        </p:txBody>
+      </p:sp>
+    </p:spTree>
+  </p:cSld>
+  <p:clrMapOvr>
+    <a:masterClrMapping/>
+  </p:clrMapOvr>
+</p:sld>
+</file>
+
+<file path=ppt/slides/slide7.xml><?xml version="1.0" encoding="utf-8"?>
+<p:sld xmlns:a="http://schemas.openxmlformats.org/drawingml/2006/main" xmlns:p="http://schemas.openxmlformats.org/presentationml/2006/main" xmlns:r="http://schemas.openxmlformats.org/officeDocument/2006/relationships">
+  <p:cSld>
+    <p:spTree>
+      <p:nvGrpSpPr>
+        <p:cNvPr id="1" name=""/>
+        <p:cNvGrpSpPr/>
+        <p:nvPr/>
+      </p:nvGrpSpPr>
+      <p:grpSpPr/>
+      <p:sp>
+        <p:nvSpPr>
+          <p:cNvPr id="2" name="TextBox 1"/>
+          <p:cNvSpPr txBox="1"/>
+          <p:nvPr/>
+        </p:nvSpPr>
+        <p:spPr>
+          <a:xfrm>
+            <a:off x="914400" y="914400"/>
+            <a:ext cx="7315200" cy="3657600"/>
+          </a:xfrm>
+          <a:prstGeom prst="rect">
+            <a:avLst/>
+          </a:prstGeom>
+          <a:noFill/>
+        </p:spPr>
+        <p:txBody>
+          <a:bodyPr wrap="square">
+            <a:spAutoFit/>
+          </a:bodyPr>
+          <a:lstStyle/>
+          <a:p>
+            <a:pPr>
+              <a:defRPr sz="2400"/>
+            </a:pPr>
+            <a:r>
+              <a:t> Native Americans are healthier than non-Natives, but not because of their diet. It's because they're more active and have more social support.</a:t>
+            </a:r>
+          </a:p>
+        </p:txBody>
+      </p:sp>
+    </p:spTree>
+  </p:cSld>
+  <p:clrMapOvr>
+    <a:masterClrMapping/>
+  </p:clrMapOvr>
+</p:sld>
+</file>
+
+<file path=ppt/slides/slide8.xml><?xml version="1.0" encoding="utf-8"?>
+<p:sld xmlns:a="http://schemas.openxmlformats.org/drawingml/2006/main" xmlns:p="http://schemas.openxmlformats.org/presentationml/2006/main" xmlns:r="http://schemas.openxmlformats.org/officeDocument/2006/relationships">
+  <p:cSld>
+    <p:spTree>
+      <p:nvGrpSpPr>
+        <p:cNvPr id="1" name=""/>
+        <p:cNvGrpSpPr/>
+        <p:nvPr/>
+      </p:nvGrpSpPr>
+      <p:grpSpPr/>
+      <p:sp>
+        <p:nvSpPr>
+          <p:cNvPr id="2" name="TextBox 1"/>
+          <p:cNvSpPr txBox="1"/>
+          <p:nvPr/>
+        </p:nvSpPr>
+        <p:spPr>
+          <a:xfrm>
+            <a:off x="914400" y="914400"/>
+            <a:ext cx="7315200" cy="3657600"/>
+          </a:xfrm>
+          <a:prstGeom prst="rect">
+            <a:avLst/>
+          </a:prstGeom>
+          <a:noFill/>
+        </p:spPr>
+        <p:txBody>
+          <a:bodyPr wrap="square">
+            <a:spAutoFit/>
+          </a:bodyPr>
+          <a:lstStyle/>
+          <a:p>
+            <a:pPr>
+              <a:defRPr sz="2400"/>
+            </a:pPr>
+            <a:r>
+              <a:t> Physical activity is important for health, and physical activity is embedded in many Native American cultures.</a:t>
+            </a:r>
+          </a:p>
+        </p:txBody>
+      </p:sp>
+    </p:spTree>
+  </p:cSld>
+  <p:clrMapOvr>
+    <a:masterClrMapping/>
+  </p:clrMapOvr>
+</p:sld>
+</file>
+
+<file path=ppt/slides/slide9.xml><?xml version="1.0" encoding="utf-8"?>
+<p:sld xmlns:a="http://schemas.openxmlformats.org/drawingml/2006/main" xmlns:p="http://schemas.openxmlformats.org/presentationml/2006/main" xmlns:r="http://schemas.openxmlformats.org/officeDocument/2006/relationships">
+  <p:cSld>
+    <p:spTree>
+      <p:nvGrpSpPr>
+        <p:cNvPr id="1" name=""/>
+        <p:cNvGrpSpPr/>
+        <p:nvPr/>
+      </p:nvGrpSpPr>
+      <p:grpSpPr/>
+      <p:sp>
+        <p:nvSpPr>
+          <p:cNvPr id="2" name="TextBox 1"/>
+          <p:cNvSpPr txBox="1"/>
+          <p:nvPr/>
+        </p:nvSpPr>
+        <p:spPr>
+          <a:xfrm>
+            <a:off x="914400" y="914400"/>
+            <a:ext cx="7315200" cy="3657600"/>
+          </a:xfrm>
+          <a:prstGeom prst="rect">
+            <a:avLst/>
+          </a:prstGeom>
+          <a:noFill/>
+        </p:spPr>
+        <p:txBody>
+          <a:bodyPr wrap="square">
+            <a:spAutoFit/>
+          </a:bodyPr>
+          <a:lstStyle/>
+          <a:p>
+            <a:pPr>
+              <a:defRPr sz="2400"/>
+            </a:pPr>
+            <a:r>
+              <a:t> nature is good for you.</a:t>
             </a:r>
           </a:p>
         </p:txBody>
